--- a/Final Project.pptx
+++ b/Final Project.pptx
@@ -7968,7 +7968,7 @@
           <a:lstStyle/>
           <a:p>
             <a:r>
-              <a:rPr lang="en-US"/>
+              <a:rPr lang="en-US" dirty="0"/>
               <a:t>Final Project Link</a:t>
             </a:r>
           </a:p>
@@ -7995,7 +7995,47 @@
           <a:bodyPr/>
           <a:lstStyle/>
           <a:p>
-            <a:endParaRPr lang="en-US"/>
+            <a:r>
+              <a:rPr lang="en-US" dirty="0">
+                <a:hlinkClick r:id="rId2"/>
+              </a:rPr>
+              <a:t>https://github.com/siddbose97/pythonWorkshop/blob/master/rps.py</a:t>
+            </a:r>
+            <a:endParaRPr lang="en-US" dirty="0"/>
+          </a:p>
+          <a:p>
+            <a:pPr marL="0" indent="0">
+              <a:buNone/>
+            </a:pPr>
+            <a:endParaRPr lang="en-US" dirty="0"/>
+          </a:p>
+          <a:p>
+            <a:pPr marL="0" indent="0">
+              <a:buNone/>
+            </a:pPr>
+            <a:r>
+              <a:rPr lang="en-US" dirty="0"/>
+              <a:t>At this link you can find the final code for this project</a:t>
+            </a:r>
+          </a:p>
+          <a:p>
+            <a:pPr marL="0" indent="0">
+              <a:buNone/>
+            </a:pPr>
+            <a:endParaRPr lang="en-US" dirty="0"/>
+          </a:p>
+          <a:p>
+            <a:pPr marL="0" indent="0">
+              <a:buNone/>
+            </a:pPr>
+            <a:r>
+              <a:rPr lang="en-US" dirty="0"/>
+              <a:t>As I mentioned earlier, if you wish to contact me for help or any questions please reach out </a:t>
+            </a:r>
+            <a:r>
+              <a:rPr lang="en-US"/>
+              <a:t>at siddbose97@gmail.com</a:t>
+            </a:r>
           </a:p>
         </p:txBody>
       </p:sp>

--- a/Final Project.pptx
+++ b/Final Project.pptx
@@ -8030,11 +8030,7 @@
             </a:pPr>
             <a:r>
               <a:rPr lang="en-US" dirty="0"/>
-              <a:t>As I mentioned earlier, if you wish to contact me for help or any questions please reach out </a:t>
-            </a:r>
-            <a:r>
-              <a:rPr lang="en-US"/>
-              <a:t>at siddbose97@gmail.com</a:t>
+              <a:t>As I mentioned earlier, if you wish to contact me for help or any questions please reach out at siddbose97@gmail.com</a:t>
             </a:r>
           </a:p>
         </p:txBody>

--- a/Final Project.pptx
+++ b/Final Project.pptx
@@ -128,6 +128,11 @@
       </a:defRPr>
     </a:lvl9pPr>
   </p:defaultTextStyle>
+  <p:extLst>
+    <p:ext uri="{EFAFB233-063F-42B5-8137-9DF3F51BA10A}">
+      <p15:sldGuideLst xmlns:p15="http://schemas.microsoft.com/office/powerpoint/2012/main"/>
+    </p:ext>
+  </p:extLst>
 </p:presentation>
 </file>
 
@@ -317,7 +322,7 @@
           <a:p>
             <a:fld id="{4AAD347D-5ACD-4C99-B74B-A9C85AD731AF}" type="datetimeFigureOut">
               <a:rPr lang="en-US" dirty="0"/>
-              <a:t>6/7/21</a:t>
+              <a:t>7/29/21</a:t>
             </a:fld>
             <a:endParaRPr lang="en-US" dirty="0"/>
           </a:p>
@@ -587,7 +592,7 @@
           <a:p>
             <a:fld id="{4509A250-FF31-4206-8172-F9D3106AACB1}" type="datetimeFigureOut">
               <a:rPr lang="en-US" dirty="0"/>
-              <a:t>6/7/21</a:t>
+              <a:t>7/29/21</a:t>
             </a:fld>
             <a:endParaRPr lang="en-US" dirty="0"/>
           </a:p>
@@ -776,7 +781,7 @@
           <a:p>
             <a:fld id="{4509A250-FF31-4206-8172-F9D3106AACB1}" type="datetimeFigureOut">
               <a:rPr lang="en-US" dirty="0"/>
-              <a:t>6/7/21</a:t>
+              <a:t>7/29/21</a:t>
             </a:fld>
             <a:endParaRPr lang="en-US" dirty="0"/>
           </a:p>
@@ -1044,7 +1049,7 @@
           <a:p>
             <a:fld id="{4509A250-FF31-4206-8172-F9D3106AACB1}" type="datetimeFigureOut">
               <a:rPr lang="en-US" dirty="0"/>
-              <a:t>6/7/21</a:t>
+              <a:t>7/29/21</a:t>
             </a:fld>
             <a:endParaRPr lang="en-US" dirty="0"/>
           </a:p>
@@ -1380,7 +1385,7 @@
           <a:p>
             <a:fld id="{4509A250-FF31-4206-8172-F9D3106AACB1}" type="datetimeFigureOut">
               <a:rPr lang="en-US" dirty="0"/>
-              <a:t>6/7/21</a:t>
+              <a:t>7/29/21</a:t>
             </a:fld>
             <a:endParaRPr lang="en-US" dirty="0"/>
           </a:p>
@@ -1998,7 +2003,7 @@
           <a:p>
             <a:fld id="{4509A250-FF31-4206-8172-F9D3106AACB1}" type="datetimeFigureOut">
               <a:rPr lang="en-US" dirty="0"/>
-              <a:t>6/7/21</a:t>
+              <a:t>7/29/21</a:t>
             </a:fld>
             <a:endParaRPr lang="en-US" dirty="0"/>
           </a:p>
@@ -2853,7 +2858,7 @@
           <a:p>
             <a:fld id="{4509A250-FF31-4206-8172-F9D3106AACB1}" type="datetimeFigureOut">
               <a:rPr lang="en-US" dirty="0"/>
-              <a:t>6/7/21</a:t>
+              <a:t>7/29/21</a:t>
             </a:fld>
             <a:endParaRPr lang="en-US" dirty="0"/>
           </a:p>
@@ -3018,7 +3023,7 @@
           <a:p>
             <a:fld id="{4509A250-FF31-4206-8172-F9D3106AACB1}" type="datetimeFigureOut">
               <a:rPr lang="en-US" dirty="0"/>
-              <a:t>6/7/21</a:t>
+              <a:t>7/29/21</a:t>
             </a:fld>
             <a:endParaRPr lang="en-US" dirty="0"/>
           </a:p>
@@ -3193,7 +3198,7 @@
           <a:p>
             <a:fld id="{4509A250-FF31-4206-8172-F9D3106AACB1}" type="datetimeFigureOut">
               <a:rPr lang="en-US" dirty="0"/>
-              <a:t>6/7/21</a:t>
+              <a:t>7/29/21</a:t>
             </a:fld>
             <a:endParaRPr lang="en-US" dirty="0"/>
           </a:p>
@@ -3358,7 +3363,7 @@
           <a:p>
             <a:fld id="{4509A250-FF31-4206-8172-F9D3106AACB1}" type="datetimeFigureOut">
               <a:rPr lang="en-US" dirty="0"/>
-              <a:t>6/7/21</a:t>
+              <a:t>7/29/21</a:t>
             </a:fld>
             <a:endParaRPr lang="en-US" dirty="0"/>
           </a:p>
@@ -3600,7 +3605,7 @@
           <a:p>
             <a:fld id="{9796027F-7875-4030-9381-8BD8C4F21935}" type="datetimeFigureOut">
               <a:rPr lang="en-US" dirty="0"/>
-              <a:t>6/7/21</a:t>
+              <a:t>7/29/21</a:t>
             </a:fld>
             <a:endParaRPr lang="en-US" dirty="0"/>
           </a:p>
@@ -3887,7 +3892,7 @@
           <a:p>
             <a:fld id="{9796027F-7875-4030-9381-8BD8C4F21935}" type="datetimeFigureOut">
               <a:rPr lang="en-US" dirty="0"/>
-              <a:t>6/7/21</a:t>
+              <a:t>7/29/21</a:t>
             </a:fld>
             <a:endParaRPr lang="en-US" dirty="0"/>
           </a:p>
@@ -4326,7 +4331,7 @@
           <a:p>
             <a:fld id="{9796027F-7875-4030-9381-8BD8C4F21935}" type="datetimeFigureOut">
               <a:rPr lang="en-US" dirty="0"/>
-              <a:t>6/7/21</a:t>
+              <a:t>7/29/21</a:t>
             </a:fld>
             <a:endParaRPr lang="en-US" dirty="0"/>
           </a:p>
@@ -4439,7 +4444,7 @@
           <a:p>
             <a:fld id="{4509A250-FF31-4206-8172-F9D3106AACB1}" type="datetimeFigureOut">
               <a:rPr lang="en-US" dirty="0"/>
-              <a:t>6/7/21</a:t>
+              <a:t>7/29/21</a:t>
             </a:fld>
             <a:endParaRPr lang="en-US" dirty="0"/>
           </a:p>
@@ -4529,7 +4534,7 @@
           <a:p>
             <a:fld id="{4509A250-FF31-4206-8172-F9D3106AACB1}" type="datetimeFigureOut">
               <a:rPr lang="en-US" dirty="0"/>
-              <a:t>6/7/21</a:t>
+              <a:t>7/29/21</a:t>
             </a:fld>
             <a:endParaRPr lang="en-US" dirty="0"/>
           </a:p>
@@ -4803,7 +4808,7 @@
           <a:p>
             <a:fld id="{4509A250-FF31-4206-8172-F9D3106AACB1}" type="datetimeFigureOut">
               <a:rPr lang="en-US" dirty="0"/>
-              <a:t>6/7/21</a:t>
+              <a:t>7/29/21</a:t>
             </a:fld>
             <a:endParaRPr lang="en-US" dirty="0"/>
           </a:p>
@@ -5073,7 +5078,7 @@
           <a:p>
             <a:fld id="{4509A250-FF31-4206-8172-F9D3106AACB1}" type="datetimeFigureOut">
               <a:rPr lang="en-US" dirty="0"/>
-              <a:t>6/7/21</a:t>
+              <a:t>7/29/21</a:t>
             </a:fld>
             <a:endParaRPr lang="en-US" dirty="0"/>
           </a:p>
@@ -5497,7 +5502,7 @@
           <a:p>
             <a:fld id="{4AAD347D-5ACD-4C99-B74B-A9C85AD731AF}" type="datetimeFigureOut">
               <a:rPr lang="en-US" dirty="0"/>
-              <a:t>6/7/21</a:t>
+              <a:t>7/29/21</a:t>
             </a:fld>
             <a:endParaRPr lang="en-US" dirty="0"/>
           </a:p>
@@ -6456,10 +6461,10 @@
       </p:sp>
       <p:pic>
         <p:nvPicPr>
-          <p:cNvPr id="4" name="Picture 3">
+          <p:cNvPr id="3" name="Picture 2">
             <a:extLst>
               <a:ext uri="{FF2B5EF4-FFF2-40B4-BE49-F238E27FC236}">
-                <a16:creationId xmlns:a16="http://schemas.microsoft.com/office/drawing/2014/main" id="{AFE462EE-B0BC-424A-B8DA-216094E21E13}"/>
+                <a16:creationId xmlns:a16="http://schemas.microsoft.com/office/drawing/2014/main" id="{168AEE4C-81AA-7146-9F89-A1210BA96C35}"/>
               </a:ext>
             </a:extLst>
           </p:cNvPr>
@@ -6476,8 +6481,8 @@
         </p:blipFill>
         <p:spPr>
           <a:xfrm>
-            <a:off x="359594" y="2310597"/>
-            <a:ext cx="11205681" cy="3331419"/>
+            <a:off x="1782566" y="2626275"/>
+            <a:ext cx="8626867" cy="2777081"/>
           </a:xfrm>
           <a:prstGeom prst="rect">
             <a:avLst/>
